--- a/presentations/Presentation 7 - Tuberculosis Predictive Analysis.pptx
+++ b/presentations/Presentation 7 - Tuberculosis Predictive Analysis.pptx
@@ -242,7 +242,7 @@
           <a:p>
             <a:fld id="{0C14B7D8-95A2-46AE-8D9E-7067CF1FF132}" type="datetimeFigureOut">
               <a:rPr lang="es-419" smtClean="0"/>
-              <a:t>12/8/2020</a:t>
+              <a:t>19/8/2020</a:t>
             </a:fld>
             <a:endParaRPr lang="es-419"/>
           </a:p>
@@ -659,7 +659,7 @@
           <a:p>
             <a:fld id="{183ECD46-E509-4A9C-8749-20496545864B}" type="datetime1">
               <a:rPr lang="es-419" smtClean="0"/>
-              <a:t>12/8/2020</a:t>
+              <a:t>19/8/2020</a:t>
             </a:fld>
             <a:endParaRPr lang="es-419"/>
           </a:p>
@@ -859,7 +859,7 @@
           <a:p>
             <a:fld id="{A918D3D2-A392-470C-8D07-E165B3B714B9}" type="datetime1">
               <a:rPr lang="es-419" smtClean="0"/>
-              <a:t>12/8/2020</a:t>
+              <a:t>19/8/2020</a:t>
             </a:fld>
             <a:endParaRPr lang="es-419"/>
           </a:p>
@@ -1069,7 +1069,7 @@
           <a:p>
             <a:fld id="{A0B51020-2940-4E48-99D9-7A9FB6169AE8}" type="datetime1">
               <a:rPr lang="es-419" smtClean="0"/>
-              <a:t>12/8/2020</a:t>
+              <a:t>19/8/2020</a:t>
             </a:fld>
             <a:endParaRPr lang="es-419"/>
           </a:p>
@@ -1269,7 +1269,7 @@
           <a:p>
             <a:fld id="{5BB286BA-54C4-4D4A-92E9-F2326B4CA723}" type="datetime1">
               <a:rPr lang="es-419" smtClean="0"/>
-              <a:t>12/8/2020</a:t>
+              <a:t>19/8/2020</a:t>
             </a:fld>
             <a:endParaRPr lang="es-419"/>
           </a:p>
@@ -1545,7 +1545,7 @@
           <a:p>
             <a:fld id="{0E999169-D5D4-4C7F-A282-27C9D1D573E4}" type="datetime1">
               <a:rPr lang="es-419" smtClean="0"/>
-              <a:t>12/8/2020</a:t>
+              <a:t>19/8/2020</a:t>
             </a:fld>
             <a:endParaRPr lang="es-419"/>
           </a:p>
@@ -1813,7 +1813,7 @@
           <a:p>
             <a:fld id="{2F1FF1C2-91D8-4BE9-9B51-97E2BAA4885C}" type="datetime1">
               <a:rPr lang="es-419" smtClean="0"/>
-              <a:t>12/8/2020</a:t>
+              <a:t>19/8/2020</a:t>
             </a:fld>
             <a:endParaRPr lang="es-419"/>
           </a:p>
@@ -2228,7 +2228,7 @@
           <a:p>
             <a:fld id="{5786CC64-991A-4B69-8ED1-8CF4D9388DC4}" type="datetime1">
               <a:rPr lang="es-419" smtClean="0"/>
-              <a:t>12/8/2020</a:t>
+              <a:t>19/8/2020</a:t>
             </a:fld>
             <a:endParaRPr lang="es-419"/>
           </a:p>
@@ -2370,7 +2370,7 @@
           <a:p>
             <a:fld id="{8EB2F1D7-2247-429C-935C-0CD8BFF3D7A1}" type="datetime1">
               <a:rPr lang="es-419" smtClean="0"/>
-              <a:t>12/8/2020</a:t>
+              <a:t>19/8/2020</a:t>
             </a:fld>
             <a:endParaRPr lang="es-419"/>
           </a:p>
@@ -2483,7 +2483,7 @@
           <a:p>
             <a:fld id="{6C255DD6-A954-4FC0-8790-03EAA2DD04A1}" type="datetime1">
               <a:rPr lang="es-419" smtClean="0"/>
-              <a:t>12/8/2020</a:t>
+              <a:t>19/8/2020</a:t>
             </a:fld>
             <a:endParaRPr lang="es-419"/>
           </a:p>
@@ -2796,7 +2796,7 @@
           <a:p>
             <a:fld id="{ADE05553-2FC6-49D5-B393-DFA9AFC9AF61}" type="datetime1">
               <a:rPr lang="es-419" smtClean="0"/>
-              <a:t>12/8/2020</a:t>
+              <a:t>19/8/2020</a:t>
             </a:fld>
             <a:endParaRPr lang="es-419"/>
           </a:p>
@@ -3085,7 +3085,7 @@
           <a:p>
             <a:fld id="{59D39599-1EA0-4129-B272-5A81557995E2}" type="datetime1">
               <a:rPr lang="es-419" smtClean="0"/>
-              <a:t>12/8/2020</a:t>
+              <a:t>19/8/2020</a:t>
             </a:fld>
             <a:endParaRPr lang="es-419"/>
           </a:p>
@@ -3328,7 +3328,7 @@
           <a:p>
             <a:fld id="{665D4592-E502-425E-9C15-0CDF1F52A245}" type="datetime1">
               <a:rPr lang="es-419" smtClean="0"/>
-              <a:t>12/8/2020</a:t>
+              <a:t>19/8/2020</a:t>
             </a:fld>
             <a:endParaRPr lang="es-419"/>
           </a:p>
@@ -6442,7 +6442,17 @@
               <a:rPr lang="en-US" sz="1400" b="1" dirty="0">
                 <a:latin typeface="+mj-lt"/>
               </a:rPr>
-              <a:t>TUBERCULOSIS PULMONAR (COD 820): 381 cases</a:t>
+              <a:t>TUBERCULOSIS PULMONAR (COD 820): 11940</a:t>
+            </a:r>
+            <a:r>
+              <a:rPr lang="en-US" sz="1400" b="1" dirty="0"/>
+              <a:t> </a:t>
+            </a:r>
+            <a:r>
+              <a:rPr lang="en-US" sz="1400" b="1" dirty="0">
+                <a:latin typeface="+mj-lt"/>
+              </a:rPr>
+              <a:t>cases</a:t>
             </a:r>
           </a:p>
           <a:p>
@@ -6454,7 +6464,17 @@
               <a:rPr lang="en-US" sz="1400" b="1" dirty="0">
                 <a:latin typeface="+mj-lt"/>
               </a:rPr>
-              <a:t>TUBERCULOSIS FÁRMACORRESISTENTE (COD 825): 11940 cases</a:t>
+              <a:t>TUBERCULOSIS FÁRMACORRESISTENTE (COD 825): 381</a:t>
+            </a:r>
+            <a:r>
+              <a:rPr lang="en-US" sz="1400" b="1" dirty="0"/>
+              <a:t> </a:t>
+            </a:r>
+            <a:r>
+              <a:rPr lang="en-US" sz="1400" b="1" dirty="0">
+                <a:latin typeface="+mj-lt"/>
+              </a:rPr>
+              <a:t>cases</a:t>
             </a:r>
           </a:p>
           <a:p>
@@ -6527,7 +6547,7 @@
               <a:rPr lang="en-US" sz="1400" b="1" dirty="0">
                 <a:latin typeface="+mj-lt"/>
               </a:rPr>
-              <a:t>TUBERCULOSIS PULMONAR (COD 820): 420 cases</a:t>
+              <a:t>TUBERCULOSIS PULMONAR (COD 820): 12056 cases</a:t>
             </a:r>
           </a:p>
           <a:p>
@@ -6539,7 +6559,7 @@
               <a:rPr lang="en-US" sz="1400" b="1" dirty="0">
                 <a:latin typeface="+mj-lt"/>
               </a:rPr>
-              <a:t>TUBERCULOSIS FÁRMACORRESISTENTE (COD 825): 12056 cases</a:t>
+              <a:t>TUBERCULOSIS FÁRMACORRESISTENTE (COD 825): 420 cases</a:t>
             </a:r>
           </a:p>
           <a:p>
